--- a/Lesson 35.pptx
+++ b/Lesson 35.pptx
@@ -8774,7 +8774,12 @@
             <p:ph type="title"/>
           </p:nvPr>
         </p:nvSpPr>
-        <p:spPr/>
+        <p:spPr>
+          <a:xfrm>
+            <a:off x="666427" y="32288"/>
+            <a:ext cx="7772400" cy="1143000"/>
+          </a:xfrm>
+        </p:spPr>
         <p:txBody>
           <a:bodyPr/>
           <a:lstStyle/>
@@ -8786,8 +8791,8 @@
           </a:p>
         </p:txBody>
       </p:sp>
-      <mc:AlternateContent xmlns:mc="http://schemas.openxmlformats.org/markup-compatibility/2006" xmlns:a14="http://schemas.microsoft.com/office/drawing/2010/main">
-        <mc:Choice Requires="a14">
+      <mc:AlternateContent xmlns:mc="http://schemas.openxmlformats.org/markup-compatibility/2006">
+        <mc:Choice xmlns:a14="http://schemas.microsoft.com/office/drawing/2010/main" Requires="a14">
           <p:sp>
             <p:nvSpPr>
               <p:cNvPr id="26627" name="Rectangle 3"/>
@@ -8798,7 +8803,12 @@
                 <p:ph type="body" idx="1"/>
               </p:nvPr>
             </p:nvSpPr>
-            <p:spPr/>
+            <p:spPr>
+              <a:xfrm>
+                <a:off x="838200" y="1295400"/>
+                <a:ext cx="7772400" cy="4114800"/>
+              </a:xfrm>
+            </p:spPr>
             <p:txBody>
               <a:bodyPr/>
               <a:lstStyle/>
@@ -8808,19 +8818,19 @@
                   <a:buNone/>
                 </a:pPr>
                 <a:r>
-                  <a:rPr lang="en-US" altLang="en-US" sz="3000" b="1" dirty="0">
+                  <a:rPr lang="en-US" altLang="en-US" sz="2500" b="1" dirty="0" smtClean="0">
                     <a:sym typeface="Math1" pitchFamily="2" charset="2"/>
                   </a:rPr>
                   <a:t>	</a:t>
                 </a:r>
                 <a:r>
-                  <a:rPr lang="en-US" altLang="en-US" sz="3000" b="1" u="sng" dirty="0">
+                  <a:rPr lang="en-US" altLang="en-US" sz="2500" b="1" u="sng" dirty="0">
                     <a:sym typeface="Math1" pitchFamily="2" charset="2"/>
                   </a:rPr>
                   <a:t>Chomsky Normal Form (CNF)</a:t>
                 </a:r>
                 <a:r>
-                  <a:rPr lang="en-US" altLang="en-US" sz="3000" dirty="0"/>
+                  <a:rPr lang="en-US" altLang="en-US" sz="2500" dirty="0"/>
                   <a:t>: If a CFG has only productions of the form </a:t>
                 </a:r>
               </a:p>
@@ -8830,13 +8840,13 @@
                   <a:buNone/>
                 </a:pPr>
                 <a:r>
-                  <a:rPr lang="en-US" altLang="en-US" sz="3000" dirty="0"/>
+                  <a:rPr lang="en-US" altLang="en-US" sz="2500" dirty="0"/>
                   <a:t>	nonterminal </a:t>
                 </a:r>
                 <a14:m>
                   <m:oMath xmlns:m="http://schemas.openxmlformats.org/officeDocument/2006/math">
                     <m:r>
-                      <a:rPr lang="en-US" altLang="en-US" i="1" dirty="0">
+                      <a:rPr lang="en-US" altLang="en-US" sz="2500" i="1" dirty="0">
                         <a:latin typeface="Cambria Math" panose="02040503050406030204" pitchFamily="18" charset="0"/>
                         <a:sym typeface="Math1" pitchFamily="2" charset="2"/>
                       </a:rPr>
@@ -8845,23 +8855,26 @@
                   </m:oMath>
                 </a14:m>
                 <a:r>
-                  <a:rPr lang="en-US" altLang="en-US" sz="3000" dirty="0">
+                  <a:rPr lang="en-US" altLang="en-US" sz="2500" dirty="0">
                     <a:sym typeface="Math1" pitchFamily="2" charset="2"/>
                   </a:rPr>
                   <a:t> string of two </a:t>
                 </a:r>
                 <a:r>
-                  <a:rPr lang="en-US" altLang="en-US" sz="3000" dirty="0" err="1">
+                  <a:rPr lang="en-US" altLang="en-US" sz="2500" dirty="0" err="1">
                     <a:sym typeface="Math1" pitchFamily="2" charset="2"/>
                   </a:rPr>
                   <a:t>nonterminals</a:t>
                 </a:r>
                 <a:r>
-                  <a:rPr lang="en-US" altLang="en-US" sz="3000" dirty="0">
+                  <a:rPr lang="en-US" altLang="en-US" sz="2500" dirty="0">
                     <a:sym typeface="Math1" pitchFamily="2" charset="2"/>
                   </a:rPr>
                   <a:t> </a:t>
                 </a:r>
+                <a:endParaRPr lang="en-US" altLang="en-US" sz="2500" dirty="0" smtClean="0">
+                  <a:sym typeface="Math1" pitchFamily="2" charset="2"/>
+                </a:endParaRPr>
               </a:p>
               <a:p>
                 <a:pPr>
@@ -8869,11 +8882,31 @@
                   <a:buNone/>
                 </a:pPr>
                 <a:r>
-                  <a:rPr lang="en-US" altLang="en-US" sz="3000" dirty="0">
-                    <a:sym typeface="Math1" pitchFamily="2" charset="2"/>
-                  </a:rPr>
-                  <a:t>	or </a:t>
-                </a:r>
+                  <a:rPr lang="en-US" altLang="en-US" sz="2500" dirty="0" smtClean="0">
+                    <a:sym typeface="Math1" pitchFamily="2" charset="2"/>
+                  </a:rPr>
+                  <a:t>e.g. A </a:t>
+                </a:r>
+                <a14:m>
+                  <m:oMath xmlns:m="http://schemas.openxmlformats.org/officeDocument/2006/math">
+                    <m:r>
+                      <a:rPr lang="en-US" altLang="en-US" sz="2500" b="0" i="1" smtClean="0">
+                        <a:latin typeface="Cambria Math" panose="02040503050406030204" pitchFamily="18" charset="0"/>
+                        <a:sym typeface="Math1" pitchFamily="2" charset="2"/>
+                      </a:rPr>
+                      <m:t>→</m:t>
+                    </m:r>
+                  </m:oMath>
+                </a14:m>
+                <a:r>
+                  <a:rPr lang="en-US" altLang="en-US" sz="2500" dirty="0" smtClean="0">
+                    <a:sym typeface="Math1" pitchFamily="2" charset="2"/>
+                  </a:rPr>
+                  <a:t> BC</a:t>
+                </a:r>
+                <a:endParaRPr lang="en-US" altLang="en-US" sz="2500" dirty="0">
+                  <a:sym typeface="Math1" pitchFamily="2" charset="2"/>
+                </a:endParaRPr>
               </a:p>
               <a:p>
                 <a:pPr>
@@ -8881,27 +8914,10 @@
                   <a:buNone/>
                 </a:pPr>
                 <a:r>
-                  <a:rPr lang="en-US" altLang="en-US" sz="3000" dirty="0">
-                    <a:sym typeface="Math1" pitchFamily="2" charset="2"/>
-                  </a:rPr>
-                  <a:t>	nonterminal </a:t>
-                </a:r>
-                <a14:m>
-                  <m:oMath xmlns:m="http://schemas.openxmlformats.org/officeDocument/2006/math">
-                    <m:r>
-                      <a:rPr lang="en-US" altLang="en-US" i="1" dirty="0">
-                        <a:latin typeface="Cambria Math" panose="02040503050406030204" pitchFamily="18" charset="0"/>
-                        <a:sym typeface="Math1" pitchFamily="2" charset="2"/>
-                      </a:rPr>
-                      <m:t>→</m:t>
-                    </m:r>
-                  </m:oMath>
-                </a14:m>
-                <a:r>
-                  <a:rPr lang="en-US" altLang="en-US" sz="3000" dirty="0">
-                    <a:sym typeface="Math1" pitchFamily="2" charset="2"/>
-                  </a:rPr>
-                  <a:t> one terminal </a:t>
+                  <a:rPr lang="en-US" altLang="en-US" sz="2500" dirty="0">
+                    <a:sym typeface="Math1" pitchFamily="2" charset="2"/>
+                  </a:rPr>
+                  <a:t>	or </a:t>
                 </a:r>
               </a:p>
               <a:p>
@@ -8910,16 +8926,109 @@
                   <a:buNone/>
                 </a:pPr>
                 <a:r>
-                  <a:rPr lang="en-US" altLang="en-US" sz="3000" dirty="0">
+                  <a:rPr lang="en-US" altLang="en-US" sz="2500" dirty="0">
+                    <a:sym typeface="Math1" pitchFamily="2" charset="2"/>
+                  </a:rPr>
+                  <a:t>	nonterminal </a:t>
+                </a:r>
+                <a14:m>
+                  <m:oMath xmlns:m="http://schemas.openxmlformats.org/officeDocument/2006/math">
+                    <m:r>
+                      <a:rPr lang="en-US" altLang="en-US" sz="2500" i="1" dirty="0">
+                        <a:latin typeface="Cambria Math" panose="02040503050406030204" pitchFamily="18" charset="0"/>
+                        <a:sym typeface="Math1" pitchFamily="2" charset="2"/>
+                      </a:rPr>
+                      <m:t>→</m:t>
+                    </m:r>
+                  </m:oMath>
+                </a14:m>
+                <a:r>
+                  <a:rPr lang="en-US" altLang="en-US" sz="2500" dirty="0">
+                    <a:sym typeface="Math1" pitchFamily="2" charset="2"/>
+                  </a:rPr>
+                  <a:t> one terminal </a:t>
+                </a:r>
+                <a:endParaRPr lang="en-US" altLang="en-US" sz="2500" dirty="0" smtClean="0">
+                  <a:sym typeface="Math1" pitchFamily="2" charset="2"/>
+                </a:endParaRPr>
+              </a:p>
+              <a:p>
+                <a:pPr>
+                  <a:buNone/>
+                </a:pPr>
+                <a:r>
+                  <a:rPr lang="en-US" altLang="en-US" sz="2500" dirty="0" smtClean="0">
+                    <a:sym typeface="Math1" pitchFamily="2" charset="2"/>
+                  </a:rPr>
+                  <a:t>e.g.  </a:t>
+                </a:r>
+                <a:r>
+                  <a:rPr lang="en-US" altLang="en-US" sz="2500" dirty="0">
+                    <a:sym typeface="Math1" pitchFamily="2" charset="2"/>
+                  </a:rPr>
+                  <a:t>A </a:t>
+                </a:r>
+                <a14:m>
+                  <m:oMath xmlns:m="http://schemas.openxmlformats.org/officeDocument/2006/math">
+                    <m:r>
+                      <a:rPr lang="en-US" altLang="en-US" sz="2500" i="1">
+                        <a:latin typeface="Cambria Math" panose="02040503050406030204" pitchFamily="18" charset="0"/>
+                        <a:sym typeface="Math1" pitchFamily="2" charset="2"/>
+                      </a:rPr>
+                      <m:t>→</m:t>
+                    </m:r>
+                  </m:oMath>
+                </a14:m>
+                <a:r>
+                  <a:rPr lang="en-US" altLang="en-US" sz="2500" dirty="0">
+                    <a:sym typeface="Math1" pitchFamily="2" charset="2"/>
+                  </a:rPr>
+                  <a:t> </a:t>
+                </a:r>
+                <a:r>
+                  <a:rPr lang="en-US" altLang="en-US" sz="2500" dirty="0" smtClean="0">
+                    <a:sym typeface="Math1" pitchFamily="2" charset="2"/>
+                  </a:rPr>
+                  <a:t>a</a:t>
+                </a:r>
+                <a:endParaRPr lang="en-US" altLang="en-US" sz="2500" dirty="0">
+                  <a:sym typeface="Math1" pitchFamily="2" charset="2"/>
+                </a:endParaRPr>
+              </a:p>
+              <a:p>
+                <a:pPr>
+                  <a:buFontTx/>
+                  <a:buNone/>
+                </a:pPr>
+                <a:r>
+                  <a:rPr lang="en-US" altLang="en-US" sz="2500" dirty="0">
                     <a:sym typeface="Math1" pitchFamily="2" charset="2"/>
                   </a:rPr>
                   <a:t>	then the CFG is said to be in Chomsky Normal Form (CNF). </a:t>
                 </a:r>
+                <a:endParaRPr lang="en-US" altLang="en-US" sz="2500" dirty="0" smtClean="0">
+                  <a:sym typeface="Math1" pitchFamily="2" charset="2"/>
+                </a:endParaRPr>
+              </a:p>
+              <a:p>
+                <a:pPr>
+                  <a:buFontTx/>
+                  <a:buNone/>
+                </a:pPr>
+                <a:r>
+                  <a:rPr lang="en-US" altLang="en-US" sz="2500" dirty="0" smtClean="0">
+                    <a:sym typeface="Math1" pitchFamily="2" charset="2"/>
+                  </a:rPr>
+                  <a:t>Means such grammar which contains combination of terminal and non-terminal on the R.H.S are not allowed in CNF.</a:t>
+                </a:r>
+                <a:endParaRPr lang="en-US" altLang="en-US" sz="2500" dirty="0">
+                  <a:sym typeface="Math1" pitchFamily="2" charset="2"/>
+                </a:endParaRPr>
               </a:p>
             </p:txBody>
           </p:sp>
         </mc:Choice>
-        <mc:Fallback xmlns="">
+        <mc:Fallback>
           <p:sp>
             <p:nvSpPr>
               <p:cNvPr id="26627" name="Rectangle 3"/>
@@ -8931,10 +9040,14 @@
               </p:nvPr>
             </p:nvSpPr>
             <p:spPr>
+              <a:xfrm>
+                <a:off x="838200" y="1295400"/>
+                <a:ext cx="7772400" cy="4114800"/>
+              </a:xfrm>
               <a:blipFill>
                 <a:blip r:embed="rId2"/>
                 <a:stretch>
-                  <a:fillRect t="-1926" r="-2196"/>
+                  <a:fillRect l="-1333" t="-1333" r="-157" b="-29630"/>
                 </a:stretch>
               </a:blipFill>
             </p:spPr>

--- a/Lesson 35.pptx
+++ b/Lesson 35.pptx
@@ -21,7 +21,7 @@
     <p:sldId id="283" r:id="rId15"/>
     <p:sldId id="284" r:id="rId16"/>
     <p:sldId id="285" r:id="rId17"/>
-    <p:sldId id="280" r:id="rId18"/>
+    <p:sldId id="286" r:id="rId18"/>
     <p:sldId id="282" r:id="rId19"/>
   </p:sldIdLst>
   <p:sldSz cx="9144000" cy="6858000" type="screen4x3"/>
@@ -5334,8 +5334,8 @@
           </a:p>
         </p:txBody>
       </p:sp>
-      <mc:AlternateContent xmlns:mc="http://schemas.openxmlformats.org/markup-compatibility/2006">
-        <mc:Choice xmlns:a14="http://schemas.microsoft.com/office/drawing/2010/main" Requires="a14">
+      <mc:AlternateContent xmlns:mc="http://schemas.openxmlformats.org/markup-compatibility/2006" xmlns:a14="http://schemas.microsoft.com/office/drawing/2010/main">
+        <mc:Choice Requires="a14">
           <p:sp>
             <p:nvSpPr>
               <p:cNvPr id="23555" name="Rectangle 3"/>
@@ -5491,11 +5491,7 @@
                 </a14:m>
                 <a:r>
                   <a:rPr lang="en-US" altLang="en-US" sz="3000" dirty="0"/>
-                  <a:t> </a:t>
-                </a:r>
-                <a:r>
-                  <a:rPr lang="en-US" altLang="en-US" sz="3000" dirty="0"/>
-                  <a:t>b </a:t>
+                  <a:t> b </a:t>
                 </a:r>
                 <a:r>
                   <a:rPr lang="en-US" altLang="en-US" sz="3000" dirty="0" smtClean="0"/>
@@ -5598,7 +5594,7 @@
             </p:txBody>
           </p:sp>
         </mc:Choice>
-        <mc:Fallback>
+        <mc:Fallback xmlns="">
           <p:sp>
             <p:nvSpPr>
               <p:cNvPr id="23555" name="Rectangle 3"/>
@@ -5697,12 +5693,11 @@
               <a:rPr lang="en-US" altLang="en-US" dirty="0"/>
               <a:t>Example continued …</a:t>
             </a:r>
-            <a:endParaRPr lang="en-US" altLang="en-US" dirty="0"/>
           </a:p>
         </p:txBody>
       </p:sp>
-      <mc:AlternateContent xmlns:mc="http://schemas.openxmlformats.org/markup-compatibility/2006">
-        <mc:Choice xmlns:a14="http://schemas.microsoft.com/office/drawing/2010/main" Requires="a14">
+      <mc:AlternateContent xmlns:mc="http://schemas.openxmlformats.org/markup-compatibility/2006" xmlns:a14="http://schemas.microsoft.com/office/drawing/2010/main">
+        <mc:Choice Requires="a14">
           <p:sp>
             <p:nvSpPr>
               <p:cNvPr id="23555" name="Rectangle 3"/>
@@ -5831,11 +5826,7 @@
                 </a14:m>
                 <a:r>
                   <a:rPr lang="en-US" altLang="en-US" sz="3000" dirty="0"/>
-                  <a:t> </a:t>
-                </a:r>
-                <a:r>
-                  <a:rPr lang="en-US" altLang="en-US" sz="3000" dirty="0"/>
-                  <a:t>b </a:t>
+                  <a:t> b </a:t>
                 </a:r>
                 <a:r>
                   <a:rPr lang="en-US" altLang="en-US" sz="3000" dirty="0" smtClean="0"/>
@@ -5938,7 +5929,7 @@
             </p:txBody>
           </p:sp>
         </mc:Choice>
-        <mc:Fallback>
+        <mc:Fallback xmlns="">
           <p:sp>
             <p:nvSpPr>
               <p:cNvPr id="23555" name="Rectangle 3"/>
@@ -5976,8 +5967,8 @@
           </p:sp>
         </mc:Fallback>
       </mc:AlternateContent>
-      <mc:AlternateContent xmlns:mc="http://schemas.openxmlformats.org/markup-compatibility/2006">
-        <mc:Choice xmlns:a14="http://schemas.microsoft.com/office/drawing/2010/main" Requires="a14">
+      <mc:AlternateContent xmlns:mc="http://schemas.openxmlformats.org/markup-compatibility/2006" xmlns:a14="http://schemas.microsoft.com/office/drawing/2010/main">
+        <mc:Choice Requires="a14">
           <p:sp>
             <p:nvSpPr>
               <p:cNvPr id="4" name="Rectangle 3"/>
@@ -6354,7 +6345,7 @@
             </p:txBody>
           </p:sp>
         </mc:Choice>
-        <mc:Fallback>
+        <mc:Fallback xmlns="">
           <p:sp>
             <p:nvSpPr>
               <p:cNvPr id="4" name="Rectangle 3"/>
@@ -6425,8 +6416,8 @@
           </p:sp>
         </mc:Fallback>
       </mc:AlternateContent>
-      <mc:AlternateContent xmlns:mc="http://schemas.openxmlformats.org/markup-compatibility/2006">
-        <mc:Choice xmlns:a14="http://schemas.microsoft.com/office/drawing/2010/main" Requires="a14">
+      <mc:AlternateContent xmlns:mc="http://schemas.openxmlformats.org/markup-compatibility/2006" xmlns:a14="http://schemas.microsoft.com/office/drawing/2010/main">
+        <mc:Choice Requires="a14">
           <p:sp>
             <p:nvSpPr>
               <p:cNvPr id="5" name="Rectangle 3"/>
@@ -6696,17 +6687,8 @@
                   <a:rPr lang="en-US" altLang="en-US" sz="3000" dirty="0">
                     <a:sym typeface="Math1" pitchFamily="2" charset="2"/>
                   </a:rPr>
-                  <a:t> </a:t>
-                </a:r>
-                <a:r>
-                  <a:rPr lang="en-US" altLang="en-US" sz="3000" dirty="0">
-                    <a:sym typeface="Math1" pitchFamily="2" charset="2"/>
-                  </a:rPr>
-                  <a:t>AB, </a:t>
-                </a:r>
-                <a:endParaRPr lang="en-US" altLang="en-US" sz="3000" dirty="0">
-                  <a:sym typeface="Math1" pitchFamily="2" charset="2"/>
-                </a:endParaRPr>
+                  <a:t> AB, </a:t>
+                </a:r>
               </a:p>
               <a:p>
                 <a:pPr>
@@ -6739,13 +6721,8 @@
                 </a14:m>
                 <a:r>
                   <a:rPr lang="en-US" altLang="en-US" sz="3000" dirty="0"/>
-                  <a:t> </a:t>
-                </a:r>
-                <a:r>
-                  <a:rPr lang="en-US" altLang="en-US" sz="3000" dirty="0"/>
-                  <a:t>a, </a:t>
-                </a:r>
-                <a:endParaRPr lang="en-US" altLang="en-US" sz="3000" dirty="0"/>
+                  <a:t> a, </a:t>
+                </a:r>
               </a:p>
               <a:p>
                 <a:pPr>
@@ -6774,7 +6751,6 @@
                   <a:rPr lang="en-US" altLang="en-US" sz="3000" dirty="0"/>
                   <a:t> b </a:t>
                 </a:r>
-                <a:endParaRPr lang="en-US" altLang="en-US" sz="3000" dirty="0"/>
               </a:p>
               <a:p>
                 <a:pPr>
@@ -6786,11 +6762,7 @@
                 </a:pPr>
                 <a:r>
                   <a:rPr lang="en-US" altLang="en-US" sz="3000" dirty="0"/>
-                  <a:t>	</a:t>
-                </a:r>
-                <a:r>
-                  <a:rPr lang="en-US" altLang="en-US" sz="3000" dirty="0"/>
-                  <a:t>C </a:t>
+                  <a:t>	C </a:t>
                 </a:r>
                 <a14:m>
                   <m:oMath xmlns:m="http://schemas.openxmlformats.org/officeDocument/2006/math">
@@ -6813,11 +6785,7 @@
                 </a:pPr>
                 <a:r>
                   <a:rPr lang="en-US" altLang="en-US" sz="3000" dirty="0"/>
-                  <a:t>	</a:t>
-                </a:r>
-                <a:r>
-                  <a:rPr lang="en-US" altLang="en-US" sz="3000" dirty="0"/>
-                  <a:t>D </a:t>
+                  <a:t>	D </a:t>
                 </a:r>
                 <a14:m>
                   <m:oMath xmlns:m="http://schemas.openxmlformats.org/officeDocument/2006/math">
@@ -6840,11 +6808,7 @@
                 </a:pPr>
                 <a:r>
                   <a:rPr lang="en-US" altLang="en-US" sz="3000" dirty="0"/>
-                  <a:t>	</a:t>
-                </a:r>
-                <a:r>
-                  <a:rPr lang="en-US" altLang="en-US" sz="3000" dirty="0"/>
-                  <a:t>E </a:t>
+                  <a:t>	E </a:t>
                 </a:r>
                 <a14:m>
                   <m:oMath xmlns:m="http://schemas.openxmlformats.org/officeDocument/2006/math">
@@ -6860,12 +6824,11 @@
                   <a:rPr lang="en-US" altLang="en-US" sz="3000" dirty="0"/>
                   <a:t>a</a:t>
                 </a:r>
-                <a:endParaRPr lang="en-US" altLang="en-US" sz="3000" dirty="0"/>
               </a:p>
             </p:txBody>
           </p:sp>
         </mc:Choice>
-        <mc:Fallback>
+        <mc:Fallback xmlns="">
           <p:sp>
             <p:nvSpPr>
               <p:cNvPr id="5" name="Rectangle 3"/>
@@ -7114,12 +7077,11 @@
               <a:rPr lang="en-US" altLang="en-US" dirty="0"/>
               <a:t>Example continued …</a:t>
             </a:r>
-            <a:endParaRPr lang="en-US" altLang="en-US" dirty="0"/>
           </a:p>
         </p:txBody>
       </p:sp>
-      <mc:AlternateContent xmlns:mc="http://schemas.openxmlformats.org/markup-compatibility/2006">
-        <mc:Choice xmlns:a14="http://schemas.microsoft.com/office/drawing/2010/main" Requires="a14">
+      <mc:AlternateContent xmlns:mc="http://schemas.openxmlformats.org/markup-compatibility/2006" xmlns:a14="http://schemas.microsoft.com/office/drawing/2010/main">
+        <mc:Choice Requires="a14">
           <p:sp>
             <p:nvSpPr>
               <p:cNvPr id="23555" name="Rectangle 3"/>
@@ -7253,11 +7215,7 @@
                 </a14:m>
                 <a:r>
                   <a:rPr lang="en-US" altLang="en-US" sz="3000" dirty="0"/>
-                  <a:t> </a:t>
-                </a:r>
-                <a:r>
-                  <a:rPr lang="en-US" altLang="en-US" sz="3000" dirty="0"/>
-                  <a:t>b </a:t>
+                  <a:t> b </a:t>
                 </a:r>
                 <a:r>
                   <a:rPr lang="en-US" altLang="en-US" sz="3000" dirty="0" smtClean="0"/>
@@ -7360,7 +7318,7 @@
             </p:txBody>
           </p:sp>
         </mc:Choice>
-        <mc:Fallback>
+        <mc:Fallback xmlns="">
           <p:sp>
             <p:nvSpPr>
               <p:cNvPr id="23555" name="Rectangle 3"/>
@@ -7403,8 +7361,8 @@
           </p:sp>
         </mc:Fallback>
       </mc:AlternateContent>
-      <mc:AlternateContent xmlns:mc="http://schemas.openxmlformats.org/markup-compatibility/2006">
-        <mc:Choice xmlns:a14="http://schemas.microsoft.com/office/drawing/2010/main" Requires="a14">
+      <mc:AlternateContent xmlns:mc="http://schemas.openxmlformats.org/markup-compatibility/2006" xmlns:a14="http://schemas.microsoft.com/office/drawing/2010/main">
+        <mc:Choice Requires="a14">
           <p:sp>
             <p:nvSpPr>
               <p:cNvPr id="4" name="Rectangle 3"/>
@@ -7751,7 +7709,7 @@
             </p:txBody>
           </p:sp>
         </mc:Choice>
-        <mc:Fallback>
+        <mc:Fallback xmlns="">
           <p:sp>
             <p:nvSpPr>
               <p:cNvPr id="4" name="Rectangle 3"/>
@@ -7817,8 +7775,8 @@
           </p:sp>
         </mc:Fallback>
       </mc:AlternateContent>
-      <mc:AlternateContent xmlns:mc="http://schemas.openxmlformats.org/markup-compatibility/2006">
-        <mc:Choice xmlns:a14="http://schemas.microsoft.com/office/drawing/2010/main" Requires="a14">
+      <mc:AlternateContent xmlns:mc="http://schemas.openxmlformats.org/markup-compatibility/2006" xmlns:a14="http://schemas.microsoft.com/office/drawing/2010/main">
+        <mc:Choice Requires="a14">
           <p:sp>
             <p:nvSpPr>
               <p:cNvPr id="2" name="Rectangle 1"/>
@@ -7892,17 +7850,8 @@
                   <a:rPr lang="en-US" altLang="en-US" dirty="0">
                     <a:sym typeface="Math1" pitchFamily="2" charset="2"/>
                   </a:rPr>
-                  <a:t> </a:t>
-                </a:r>
-                <a:r>
-                  <a:rPr lang="en-US" altLang="en-US" dirty="0">
-                    <a:sym typeface="Math1" pitchFamily="2" charset="2"/>
-                  </a:rPr>
-                  <a:t>AB, </a:t>
-                </a:r>
-                <a:endParaRPr lang="en-US" altLang="en-US" dirty="0">
-                  <a:sym typeface="Math1" pitchFamily="2" charset="2"/>
-                </a:endParaRPr>
+                  <a:t> AB, </a:t>
+                </a:r>
               </a:p>
               <a:p>
                 <a:pPr>
@@ -7923,14 +7872,7 @@
                         <a:latin typeface="Cambria Math" panose="02040503050406030204" pitchFamily="18" charset="0"/>
                         <a:sym typeface="Math1" pitchFamily="2" charset="2"/>
                       </a:rPr>
-                      <m:t>→</m:t>
-                    </m:r>
-                    <m:r>
-                      <a:rPr lang="en-US" altLang="en-US" i="1" dirty="0">
-                        <a:latin typeface="Cambria Math" panose="02040503050406030204" pitchFamily="18" charset="0"/>
-                        <a:sym typeface="Math1" pitchFamily="2" charset="2"/>
-                      </a:rPr>
-                      <m:t> </m:t>
+                      <m:t>→ </m:t>
                     </m:r>
                   </m:oMath>
                 </a14:m>
@@ -7992,12 +7934,11 @@
                   <a:rPr lang="en-US" altLang="en-US" dirty="0"/>
                   <a:t>E</a:t>
                 </a:r>
-                <a:endParaRPr lang="en-US" altLang="en-US" dirty="0"/>
               </a:p>
             </p:txBody>
           </p:sp>
         </mc:Choice>
-        <mc:Fallback>
+        <mc:Fallback xmlns="">
           <p:sp>
             <p:nvSpPr>
               <p:cNvPr id="2" name="Rectangle 1"/>
@@ -8041,8 +7982,8 @@
           </p:sp>
         </mc:Fallback>
       </mc:AlternateContent>
-      <mc:AlternateContent xmlns:mc="http://schemas.openxmlformats.org/markup-compatibility/2006">
-        <mc:Choice xmlns:a14="http://schemas.microsoft.com/office/drawing/2010/main" Requires="a14">
+      <mc:AlternateContent xmlns:mc="http://schemas.openxmlformats.org/markup-compatibility/2006" xmlns:a14="http://schemas.microsoft.com/office/drawing/2010/main">
+        <mc:Choice Requires="a14">
           <p:sp>
             <p:nvSpPr>
               <p:cNvPr id="7" name="Rectangle 3"/>
@@ -8312,17 +8253,8 @@
                   <a:rPr lang="en-US" altLang="en-US" sz="3000" dirty="0">
                     <a:sym typeface="Math1" pitchFamily="2" charset="2"/>
                   </a:rPr>
-                  <a:t> </a:t>
-                </a:r>
-                <a:r>
-                  <a:rPr lang="en-US" altLang="en-US" sz="3000" dirty="0">
-                    <a:sym typeface="Math1" pitchFamily="2" charset="2"/>
-                  </a:rPr>
-                  <a:t>AB, </a:t>
-                </a:r>
-                <a:endParaRPr lang="en-US" altLang="en-US" sz="3000" dirty="0">
-                  <a:sym typeface="Math1" pitchFamily="2" charset="2"/>
-                </a:endParaRPr>
+                  <a:t> AB, </a:t>
+                </a:r>
               </a:p>
               <a:p>
                 <a:pPr>
@@ -8355,13 +8287,8 @@
                 </a14:m>
                 <a:r>
                   <a:rPr lang="en-US" altLang="en-US" sz="3000" dirty="0"/>
-                  <a:t> </a:t>
-                </a:r>
-                <a:r>
-                  <a:rPr lang="en-US" altLang="en-US" sz="3000" dirty="0"/>
-                  <a:t>a, </a:t>
-                </a:r>
-                <a:endParaRPr lang="en-US" altLang="en-US" sz="3000" dirty="0"/>
+                  <a:t> a, </a:t>
+                </a:r>
               </a:p>
               <a:p>
                 <a:pPr>
@@ -8406,11 +8333,7 @@
                 </a:pPr>
                 <a:r>
                   <a:rPr lang="en-US" altLang="en-US" sz="3000" dirty="0"/>
-                  <a:t>	</a:t>
-                </a:r>
-                <a:r>
-                  <a:rPr lang="en-US" altLang="en-US" sz="3000" dirty="0"/>
-                  <a:t>C </a:t>
+                  <a:t>	C </a:t>
                 </a:r>
                 <a14:m>
                   <m:oMath xmlns:m="http://schemas.openxmlformats.org/officeDocument/2006/math">
@@ -8437,11 +8360,7 @@
                 </a:pPr>
                 <a:r>
                   <a:rPr lang="en-US" altLang="en-US" sz="3000" dirty="0"/>
-                  <a:t>	</a:t>
-                </a:r>
-                <a:r>
-                  <a:rPr lang="en-US" altLang="en-US" sz="3000" dirty="0"/>
-                  <a:t>D </a:t>
+                  <a:t>	D </a:t>
                 </a:r>
                 <a14:m>
                   <m:oMath xmlns:m="http://schemas.openxmlformats.org/officeDocument/2006/math">
@@ -8468,11 +8387,7 @@
                 </a:pPr>
                 <a:r>
                   <a:rPr lang="en-US" altLang="en-US" sz="3000" dirty="0"/>
-                  <a:t>	</a:t>
-                </a:r>
-                <a:r>
-                  <a:rPr lang="en-US" altLang="en-US" sz="3000" dirty="0"/>
-                  <a:t>E </a:t>
+                  <a:t>	E </a:t>
                 </a:r>
                 <a14:m>
                   <m:oMath xmlns:m="http://schemas.openxmlformats.org/officeDocument/2006/math">
@@ -8488,12 +8403,11 @@
                   <a:rPr lang="en-US" altLang="en-US" sz="3000" dirty="0"/>
                   <a:t>a</a:t>
                 </a:r>
-                <a:endParaRPr lang="en-US" altLang="en-US" sz="3000" dirty="0"/>
               </a:p>
             </p:txBody>
           </p:sp>
         </mc:Choice>
-        <mc:Fallback>
+        <mc:Fallback xmlns="">
           <p:sp>
             <p:nvSpPr>
               <p:cNvPr id="7" name="Rectangle 3"/>
@@ -8902,7 +8816,13 @@
                   <a:rPr lang="en-US" altLang="en-US" sz="2500" dirty="0" smtClean="0">
                     <a:sym typeface="Math1" pitchFamily="2" charset="2"/>
                   </a:rPr>
-                  <a:t> BC</a:t>
+                  <a:t> </a:t>
+                </a:r>
+                <a:r>
+                  <a:rPr lang="en-US" altLang="en-US" sz="2500" dirty="0" smtClean="0">
+                    <a:sym typeface="Math1" pitchFamily="2" charset="2"/>
+                  </a:rPr>
+                  <a:t>BC (only two non-terminals allowed at R.H.S)</a:t>
                 </a:r>
                 <a:endParaRPr lang="en-US" altLang="en-US" sz="2500" dirty="0">
                   <a:sym typeface="Math1" pitchFamily="2" charset="2"/>
@@ -8947,6 +8867,12 @@
                     <a:sym typeface="Math1" pitchFamily="2" charset="2"/>
                   </a:rPr>
                   <a:t> one terminal </a:t>
+                </a:r>
+                <a:r>
+                  <a:rPr lang="en-US" altLang="en-US" sz="2500" dirty="0" smtClean="0">
+                    <a:sym typeface="Math1" pitchFamily="2" charset="2"/>
+                  </a:rPr>
+                  <a:t>(only one terminal allowed at R.H.S)</a:t>
                 </a:r>
                 <a:endParaRPr lang="en-US" altLang="en-US" sz="2500" dirty="0" smtClean="0">
                   <a:sym typeface="Math1" pitchFamily="2" charset="2"/>
@@ -9047,7 +8973,7 @@
               <a:blipFill>
                 <a:blip r:embed="rId2"/>
                 <a:stretch>
-                  <a:fillRect l="-1333" t="-1333" r="-157" b="-29630"/>
+                  <a:fillRect l="-1333" t="-1333" r="-157" b="-38963"/>
                 </a:stretch>
               </a:blipFill>
             </p:spPr>
@@ -9067,6 +8993,11 @@
         </mc:Fallback>
       </mc:AlternateContent>
     </p:spTree>
+    <p:extLst>
+      <p:ext uri="{BB962C8B-B14F-4D97-AF65-F5344CB8AC3E}">
+        <p14:creationId xmlns:p14="http://schemas.microsoft.com/office/powerpoint/2010/main" val="3622295160"/>
+      </p:ext>
+    </p:extLst>
   </p:cSld>
   <p:clrMapOvr>
     <a:masterClrMapping/>
